--- a/RVS Presentation.pptx
+++ b/RVS Presentation.pptx
@@ -119,6 +119,10 @@
 </p:presentation>
 </file>
 
+<file path=ppt/revisionInfo.xml><?xml version="1.0" encoding="utf-8"?>
+<p1510:revInfo xmlns:a="http://schemas.openxmlformats.org/drawingml/2006/main" xmlns:r="http://schemas.openxmlformats.org/officeDocument/2006/relationships" xmlns:p1510="http://schemas.microsoft.com/office/powerpoint/2015/10/main"/>
+</file>
+
 <file path=ppt/slideLayouts/slideLayout1.xml><?xml version="1.0" encoding="utf-8"?>
 <p:sldLayout xmlns:a="http://schemas.openxmlformats.org/drawingml/2006/main" xmlns:r="http://schemas.openxmlformats.org/officeDocument/2006/relationships" xmlns:p="http://schemas.openxmlformats.org/presentationml/2006/main" showMasterSp="0" type="title" preserve="1">
   <p:cSld name="Title Slide">
@@ -295,7 +299,7 @@
           </a:lstStyle>
           <a:p>
             <a:r>
-              <a:rPr lang="en-US" smtClean="0"/>
+              <a:rPr lang="en-US"/>
               <a:t>Click to edit Master title style</a:t>
             </a:r>
             <a:endParaRPr lang="en-US" dirty="0"/>
@@ -415,7 +419,7 @@
           </a:lstStyle>
           <a:p>
             <a:r>
-              <a:rPr lang="en-US" smtClean="0"/>
+              <a:rPr lang="en-US"/>
               <a:t>Click to edit Master subtitle style</a:t>
             </a:r>
             <a:endParaRPr lang="en-US" dirty="0"/>
@@ -455,7 +459,7 @@
             <a:fld id="{5923F103-BC34-4FE4-A40E-EDDEECFDA5D0}" type="datetimeFigureOut">
               <a:rPr lang="en-US" dirty="0"/>
               <a:pPr/>
-              <a:t>6/16/2017</a:t>
+              <a:t>10/23/2017</a:t>
             </a:fld>
             <a:endParaRPr lang="en-US" dirty="0"/>
           </a:p>
@@ -1366,7 +1370,7 @@
           </a:lstStyle>
           <a:p>
             <a:r>
-              <a:rPr lang="en-US" smtClean="0"/>
+              <a:rPr lang="en-US"/>
               <a:t>Click to edit Master title style</a:t>
             </a:r>
             <a:endParaRPr lang="en-US" dirty="0"/>
@@ -1445,7 +1449,7 @@
           </a:lstStyle>
           <a:p>
             <a:r>
-              <a:rPr lang="en-US" smtClean="0"/>
+              <a:rPr lang="en-US"/>
               <a:t>Click icon to add picture</a:t>
             </a:r>
             <a:endParaRPr lang="en-US" dirty="0"/>
@@ -1520,7 +1524,7 @@
           <a:p>
             <a:pPr lvl="0"/>
             <a:r>
-              <a:rPr lang="en-US" smtClean="0"/>
+              <a:rPr lang="en-US"/>
               <a:t>Click to edit Master text styles</a:t>
             </a:r>
           </a:p>
@@ -1543,7 +1547,7 @@
           <a:p>
             <a:fld id="{923A1CC3-2375-41D4-9E03-427CAF2A4C1A}" type="datetimeFigureOut">
               <a:rPr lang="en-US" dirty="0"/>
-              <a:t>6/16/2017</a:t>
+              <a:t>10/23/2017</a:t>
             </a:fld>
             <a:endParaRPr lang="en-US" dirty="0"/>
           </a:p>
@@ -2432,7 +2436,7 @@
           </a:lstStyle>
           <a:p>
             <a:r>
-              <a:rPr lang="en-US" smtClean="0"/>
+              <a:rPr lang="en-US"/>
               <a:t>Click to edit Master title style</a:t>
             </a:r>
             <a:endParaRPr lang="en-US" dirty="0"/>
@@ -2500,7 +2504,7 @@
           <a:p>
             <a:pPr lvl="0"/>
             <a:r>
-              <a:rPr lang="en-US" smtClean="0"/>
+              <a:rPr lang="en-US"/>
               <a:t>Click to edit Master text styles</a:t>
             </a:r>
           </a:p>
@@ -2523,7 +2527,7 @@
           <a:p>
             <a:fld id="{AFF16868-8199-4C2C-A5B1-63AEE139F88E}" type="datetimeFigureOut">
               <a:rPr lang="en-US" dirty="0"/>
-              <a:t>6/16/2017</a:t>
+              <a:t>10/23/2017</a:t>
             </a:fld>
             <a:endParaRPr lang="en-US" dirty="0"/>
           </a:p>
@@ -3490,7 +3494,7 @@
           </a:lstStyle>
           <a:p>
             <a:r>
-              <a:rPr lang="en-US" smtClean="0"/>
+              <a:rPr lang="en-US"/>
               <a:t>Click to edit Master title style</a:t>
             </a:r>
             <a:endParaRPr lang="en-US" dirty="0"/>
@@ -3567,7 +3571,7 @@
           <a:p>
             <a:pPr lvl="0"/>
             <a:r>
-              <a:rPr lang="en-US" smtClean="0"/>
+              <a:rPr lang="en-US"/>
               <a:t>Click to edit Master text styles</a:t>
             </a:r>
           </a:p>
@@ -3634,7 +3638,7 @@
           <a:p>
             <a:pPr lvl="0"/>
             <a:r>
-              <a:rPr lang="en-US" smtClean="0"/>
+              <a:rPr lang="en-US"/>
               <a:t>Click to edit Master text styles</a:t>
             </a:r>
           </a:p>
@@ -3657,7 +3661,7 @@
           <a:p>
             <a:fld id="{AAD9FF7F-6988-44CC-821B-644E70CD2F73}" type="datetimeFigureOut">
               <a:rPr lang="en-US" dirty="0"/>
-              <a:t>6/16/2017</a:t>
+              <a:t>10/23/2017</a:t>
             </a:fld>
             <a:endParaRPr lang="en-US" dirty="0"/>
           </a:p>
@@ -4546,7 +4550,7 @@
           </a:lstStyle>
           <a:p>
             <a:r>
-              <a:rPr lang="en-US" smtClean="0"/>
+              <a:rPr lang="en-US"/>
               <a:t>Click to edit Master title style</a:t>
             </a:r>
             <a:endParaRPr lang="en-US" dirty="0"/>
@@ -4667,7 +4671,7 @@
           <a:p>
             <a:pPr lvl="0"/>
             <a:r>
-              <a:rPr lang="en-US" smtClean="0"/>
+              <a:rPr lang="en-US"/>
               <a:t>Click to edit Master text styles</a:t>
             </a:r>
           </a:p>
@@ -4690,7 +4694,7 @@
           <a:p>
             <a:fld id="{5C12C299-16B2-4475-990D-751901EACC14}" type="datetimeFigureOut">
               <a:rPr lang="en-US" dirty="0"/>
-              <a:t>6/16/2017</a:t>
+              <a:t>10/23/2017</a:t>
             </a:fld>
             <a:endParaRPr lang="en-US" dirty="0"/>
           </a:p>
@@ -4829,7 +4833,7 @@
           </a:lstStyle>
           <a:p>
             <a:r>
-              <a:rPr lang="en-US" smtClean="0"/>
+              <a:rPr lang="en-US"/>
               <a:t>Click to edit Master title style</a:t>
             </a:r>
             <a:endParaRPr lang="en-US" dirty="0"/>
@@ -4904,7 +4908,7 @@
           <a:p>
             <a:pPr lvl="0"/>
             <a:r>
-              <a:rPr lang="en-US" smtClean="0"/>
+              <a:rPr lang="en-US"/>
               <a:t>Click to edit Master text styles</a:t>
             </a:r>
           </a:p>
@@ -4971,7 +4975,7 @@
           <a:p>
             <a:pPr lvl="0"/>
             <a:r>
-              <a:rPr lang="en-US" smtClean="0"/>
+              <a:rPr lang="en-US"/>
               <a:t>Click to edit Master text styles</a:t>
             </a:r>
           </a:p>
@@ -5045,7 +5049,7 @@
           <a:p>
             <a:pPr lvl="0"/>
             <a:r>
-              <a:rPr lang="en-US" smtClean="0"/>
+              <a:rPr lang="en-US"/>
               <a:t>Click to edit Master text styles</a:t>
             </a:r>
           </a:p>
@@ -5112,7 +5116,7 @@
           <a:p>
             <a:pPr lvl="0"/>
             <a:r>
-              <a:rPr lang="en-US" smtClean="0"/>
+              <a:rPr lang="en-US"/>
               <a:t>Click to edit Master text styles</a:t>
             </a:r>
           </a:p>
@@ -5186,7 +5190,7 @@
           <a:p>
             <a:pPr lvl="0"/>
             <a:r>
-              <a:rPr lang="en-US" smtClean="0"/>
+              <a:rPr lang="en-US"/>
               <a:t>Click to edit Master text styles</a:t>
             </a:r>
           </a:p>
@@ -5253,7 +5257,7 @@
           <a:p>
             <a:pPr lvl="0"/>
             <a:r>
-              <a:rPr lang="en-US" smtClean="0"/>
+              <a:rPr lang="en-US"/>
               <a:t>Click to edit Master text styles</a:t>
             </a:r>
           </a:p>
@@ -5350,7 +5354,7 @@
           <a:p>
             <a:fld id="{9FE86839-B9D8-4651-8783-F325ECE74E65}" type="datetimeFigureOut">
               <a:rPr lang="en-US" dirty="0"/>
-              <a:t>6/16/2017</a:t>
+              <a:t>10/23/2017</a:t>
             </a:fld>
             <a:endParaRPr lang="en-US" dirty="0"/>
           </a:p>
@@ -5453,7 +5457,7 @@
           </a:lstStyle>
           <a:p>
             <a:r>
-              <a:rPr lang="en-US" smtClean="0"/>
+              <a:rPr lang="en-US"/>
               <a:t>Click to edit Master title style</a:t>
             </a:r>
             <a:endParaRPr lang="en-US" dirty="0"/>
@@ -5528,7 +5532,7 @@
           <a:p>
             <a:pPr lvl="0"/>
             <a:r>
-              <a:rPr lang="en-US" smtClean="0"/>
+              <a:rPr lang="en-US"/>
               <a:t>Click to edit Master text styles</a:t>
             </a:r>
           </a:p>
@@ -5606,7 +5610,7 @@
           </a:lstStyle>
           <a:p>
             <a:r>
-              <a:rPr lang="en-US" smtClean="0"/>
+              <a:rPr lang="en-US"/>
               <a:t>Click icon to add picture</a:t>
             </a:r>
             <a:endParaRPr lang="en-US" dirty="0"/>
@@ -5674,7 +5678,7 @@
           <a:p>
             <a:pPr lvl="0"/>
             <a:r>
-              <a:rPr lang="en-US" smtClean="0"/>
+              <a:rPr lang="en-US"/>
               <a:t>Click to edit Master text styles</a:t>
             </a:r>
           </a:p>
@@ -5748,7 +5752,7 @@
           <a:p>
             <a:pPr lvl="0"/>
             <a:r>
-              <a:rPr lang="en-US" smtClean="0"/>
+              <a:rPr lang="en-US"/>
               <a:t>Click to edit Master text styles</a:t>
             </a:r>
           </a:p>
@@ -5826,7 +5830,7 @@
           </a:lstStyle>
           <a:p>
             <a:r>
-              <a:rPr lang="en-US" smtClean="0"/>
+              <a:rPr lang="en-US"/>
               <a:t>Click icon to add picture</a:t>
             </a:r>
             <a:endParaRPr lang="en-US" dirty="0"/>
@@ -5894,7 +5898,7 @@
           <a:p>
             <a:pPr lvl="0"/>
             <a:r>
-              <a:rPr lang="en-US" smtClean="0"/>
+              <a:rPr lang="en-US"/>
               <a:t>Click to edit Master text styles</a:t>
             </a:r>
           </a:p>
@@ -5968,7 +5972,7 @@
           <a:p>
             <a:pPr lvl="0"/>
             <a:r>
-              <a:rPr lang="en-US" smtClean="0"/>
+              <a:rPr lang="en-US"/>
               <a:t>Click to edit Master text styles</a:t>
             </a:r>
           </a:p>
@@ -6046,7 +6050,7 @@
           </a:lstStyle>
           <a:p>
             <a:r>
-              <a:rPr lang="en-US" smtClean="0"/>
+              <a:rPr lang="en-US"/>
               <a:t>Click icon to add picture</a:t>
             </a:r>
             <a:endParaRPr lang="en-US" dirty="0"/>
@@ -6114,7 +6118,7 @@
           <a:p>
             <a:pPr lvl="0"/>
             <a:r>
-              <a:rPr lang="en-US" smtClean="0"/>
+              <a:rPr lang="en-US"/>
               <a:t>Click to edit Master text styles</a:t>
             </a:r>
           </a:p>
@@ -6211,7 +6215,7 @@
           <a:p>
             <a:fld id="{FD484F64-32F6-45C5-931F-ADC1662401D0}" type="datetimeFigureOut">
               <a:rPr lang="en-US" dirty="0"/>
-              <a:t>6/16/2017</a:t>
+              <a:t>10/23/2017</a:t>
             </a:fld>
             <a:endParaRPr lang="en-US" dirty="0"/>
           </a:p>
@@ -6315,7 +6319,7 @@
           <a:lstStyle/>
           <a:p>
             <a:r>
-              <a:rPr lang="en-US" smtClean="0"/>
+              <a:rPr lang="en-US"/>
               <a:t>Click to edit Master title style</a:t>
             </a:r>
             <a:endParaRPr lang="en-US" dirty="0"/>
@@ -6344,35 +6348,35 @@
           <a:p>
             <a:pPr lvl="0"/>
             <a:r>
-              <a:rPr lang="en-US" smtClean="0"/>
+              <a:rPr lang="en-US"/>
               <a:t>Click to edit Master text styles</a:t>
             </a:r>
           </a:p>
           <a:p>
             <a:pPr lvl="1"/>
             <a:r>
-              <a:rPr lang="en-US" smtClean="0"/>
+              <a:rPr lang="en-US"/>
               <a:t>Second level</a:t>
             </a:r>
           </a:p>
           <a:p>
             <a:pPr lvl="2"/>
             <a:r>
-              <a:rPr lang="en-US" smtClean="0"/>
+              <a:rPr lang="en-US"/>
               <a:t>Third level</a:t>
             </a:r>
           </a:p>
           <a:p>
             <a:pPr lvl="3"/>
             <a:r>
-              <a:rPr lang="en-US" smtClean="0"/>
+              <a:rPr lang="en-US"/>
               <a:t>Fourth level</a:t>
             </a:r>
           </a:p>
           <a:p>
             <a:pPr lvl="4"/>
             <a:r>
-              <a:rPr lang="en-US" smtClean="0"/>
+              <a:rPr lang="en-US"/>
               <a:t>Fifth level</a:t>
             </a:r>
             <a:endParaRPr lang="en-US" dirty="0"/>
@@ -6401,7 +6405,7 @@
           <a:p>
             <a:fld id="{53086D93-FCAC-47E0-A2EE-787E62CA814C}" type="datetimeFigureOut">
               <a:rPr lang="en-US" dirty="0"/>
-              <a:t>6/16/2017</a:t>
+              <a:t>10/23/2017</a:t>
             </a:fld>
             <a:endParaRPr lang="en-US" dirty="0"/>
           </a:p>
@@ -7287,7 +7291,7 @@
           <a:lstStyle/>
           <a:p>
             <a:r>
-              <a:rPr lang="en-US" smtClean="0"/>
+              <a:rPr lang="en-US"/>
               <a:t>Click to edit Master title style</a:t>
             </a:r>
             <a:endParaRPr lang="en-US" dirty="0"/>
@@ -7316,35 +7320,35 @@
           <a:p>
             <a:pPr lvl="0"/>
             <a:r>
-              <a:rPr lang="en-US" smtClean="0"/>
+              <a:rPr lang="en-US"/>
               <a:t>Click to edit Master text styles</a:t>
             </a:r>
           </a:p>
           <a:p>
             <a:pPr lvl="1"/>
             <a:r>
-              <a:rPr lang="en-US" smtClean="0"/>
+              <a:rPr lang="en-US"/>
               <a:t>Second level</a:t>
             </a:r>
           </a:p>
           <a:p>
             <a:pPr lvl="2"/>
             <a:r>
-              <a:rPr lang="en-US" smtClean="0"/>
+              <a:rPr lang="en-US"/>
               <a:t>Third level</a:t>
             </a:r>
           </a:p>
           <a:p>
             <a:pPr lvl="3"/>
             <a:r>
-              <a:rPr lang="en-US" smtClean="0"/>
+              <a:rPr lang="en-US"/>
               <a:t>Fourth level</a:t>
             </a:r>
           </a:p>
           <a:p>
             <a:pPr lvl="4"/>
             <a:r>
-              <a:rPr lang="en-US" smtClean="0"/>
+              <a:rPr lang="en-US"/>
               <a:t>Fifth level</a:t>
             </a:r>
             <a:endParaRPr lang="en-US" dirty="0"/>
@@ -7373,7 +7377,7 @@
           <a:p>
             <a:fld id="{CDA879A6-0FD0-4734-A311-86BFCA472E6E}" type="datetimeFigureOut">
               <a:rPr lang="en-US" dirty="0"/>
-              <a:t>6/16/2017</a:t>
+              <a:t>10/23/2017</a:t>
             </a:fld>
             <a:endParaRPr lang="en-US" dirty="0"/>
           </a:p>
@@ -7503,7 +7507,7 @@
           <a:lstStyle/>
           <a:p>
             <a:r>
-              <a:rPr lang="en-US" smtClean="0"/>
+              <a:rPr lang="en-US"/>
               <a:t>Click to edit Master title style</a:t>
             </a:r>
             <a:endParaRPr lang="en-US" dirty="0"/>
@@ -7532,35 +7536,35 @@
           <a:p>
             <a:pPr lvl="0"/>
             <a:r>
-              <a:rPr lang="en-US" smtClean="0"/>
+              <a:rPr lang="en-US"/>
               <a:t>Click to edit Master text styles</a:t>
             </a:r>
           </a:p>
           <a:p>
             <a:pPr lvl="1"/>
             <a:r>
-              <a:rPr lang="en-US" smtClean="0"/>
+              <a:rPr lang="en-US"/>
               <a:t>Second level</a:t>
             </a:r>
           </a:p>
           <a:p>
             <a:pPr lvl="2"/>
             <a:r>
-              <a:rPr lang="en-US" smtClean="0"/>
+              <a:rPr lang="en-US"/>
               <a:t>Third level</a:t>
             </a:r>
           </a:p>
           <a:p>
             <a:pPr lvl="3"/>
             <a:r>
-              <a:rPr lang="en-US" smtClean="0"/>
+              <a:rPr lang="en-US"/>
               <a:t>Fourth level</a:t>
             </a:r>
           </a:p>
           <a:p>
             <a:pPr lvl="4"/>
             <a:r>
-              <a:rPr lang="en-US" smtClean="0"/>
+              <a:rPr lang="en-US"/>
               <a:t>Fifth level</a:t>
             </a:r>
             <a:endParaRPr lang="en-US" dirty="0"/>
@@ -7584,7 +7588,7 @@
           <a:p>
             <a:fld id="{19C9CA7B-DFD4-44B5-8C60-D14B8CD1FB59}" type="datetimeFigureOut">
               <a:rPr lang="en-US" dirty="0"/>
-              <a:t>6/16/2017</a:t>
+              <a:t>10/23/2017</a:t>
             </a:fld>
             <a:endParaRPr lang="en-US" dirty="0"/>
           </a:p>
@@ -8474,7 +8478,7 @@
           </a:lstStyle>
           <a:p>
             <a:r>
-              <a:rPr lang="en-US" smtClean="0"/>
+              <a:rPr lang="en-US"/>
               <a:t>Click to edit Master title style</a:t>
             </a:r>
             <a:endParaRPr lang="en-US" dirty="0"/>
@@ -8595,7 +8599,7 @@
           <a:p>
             <a:pPr lvl="0"/>
             <a:r>
-              <a:rPr lang="en-US" smtClean="0"/>
+              <a:rPr lang="en-US"/>
               <a:t>Click to edit Master text styles</a:t>
             </a:r>
           </a:p>
@@ -8618,7 +8622,7 @@
           <a:p>
             <a:fld id="{F34E6425-0181-43F2-84FC-787E803FD2F8}" type="datetimeFigureOut">
               <a:rPr lang="en-US" dirty="0"/>
-              <a:t>6/16/2017</a:t>
+              <a:t>10/23/2017</a:t>
             </a:fld>
             <a:endParaRPr lang="en-US" dirty="0"/>
           </a:p>
@@ -8748,7 +8752,7 @@
           <a:lstStyle/>
           <a:p>
             <a:r>
-              <a:rPr lang="en-US" smtClean="0"/>
+              <a:rPr lang="en-US"/>
               <a:t>Click to edit Master title style</a:t>
             </a:r>
             <a:endParaRPr lang="en-US" dirty="0"/>
@@ -8779,35 +8783,35 @@
           <a:p>
             <a:pPr lvl="0"/>
             <a:r>
-              <a:rPr lang="en-US" smtClean="0"/>
+              <a:rPr lang="en-US"/>
               <a:t>Click to edit Master text styles</a:t>
             </a:r>
           </a:p>
           <a:p>
             <a:pPr lvl="1"/>
             <a:r>
-              <a:rPr lang="en-US" smtClean="0"/>
+              <a:rPr lang="en-US"/>
               <a:t>Second level</a:t>
             </a:r>
           </a:p>
           <a:p>
             <a:pPr lvl="2"/>
             <a:r>
-              <a:rPr lang="en-US" smtClean="0"/>
+              <a:rPr lang="en-US"/>
               <a:t>Third level</a:t>
             </a:r>
           </a:p>
           <a:p>
             <a:pPr lvl="3"/>
             <a:r>
-              <a:rPr lang="en-US" smtClean="0"/>
+              <a:rPr lang="en-US"/>
               <a:t>Fourth level</a:t>
             </a:r>
           </a:p>
           <a:p>
             <a:pPr lvl="4"/>
             <a:r>
-              <a:rPr lang="en-US" smtClean="0"/>
+              <a:rPr lang="en-US"/>
               <a:t>Fifth level</a:t>
             </a:r>
             <a:endParaRPr lang="en-US" dirty="0"/>
@@ -8838,35 +8842,35 @@
           <a:p>
             <a:pPr lvl="0"/>
             <a:r>
-              <a:rPr lang="en-US" smtClean="0"/>
+              <a:rPr lang="en-US"/>
               <a:t>Click to edit Master text styles</a:t>
             </a:r>
           </a:p>
           <a:p>
             <a:pPr lvl="1"/>
             <a:r>
-              <a:rPr lang="en-US" smtClean="0"/>
+              <a:rPr lang="en-US"/>
               <a:t>Second level</a:t>
             </a:r>
           </a:p>
           <a:p>
             <a:pPr lvl="2"/>
             <a:r>
-              <a:rPr lang="en-US" smtClean="0"/>
+              <a:rPr lang="en-US"/>
               <a:t>Third level</a:t>
             </a:r>
           </a:p>
           <a:p>
             <a:pPr lvl="3"/>
             <a:r>
-              <a:rPr lang="en-US" smtClean="0"/>
+              <a:rPr lang="en-US"/>
               <a:t>Fourth level</a:t>
             </a:r>
           </a:p>
           <a:p>
             <a:pPr lvl="4"/>
             <a:r>
-              <a:rPr lang="en-US" smtClean="0"/>
+              <a:rPr lang="en-US"/>
               <a:t>Fifth level</a:t>
             </a:r>
             <a:endParaRPr lang="en-US" dirty="0"/>
@@ -8890,7 +8894,7 @@
           <a:p>
             <a:fld id="{3BDB8791-F1B0-41E7-B7FD-A781E65C4266}" type="datetimeFigureOut">
               <a:rPr lang="en-US" dirty="0"/>
-              <a:t>6/16/2017</a:t>
+              <a:t>10/23/2017</a:t>
             </a:fld>
             <a:endParaRPr lang="en-US" dirty="0"/>
           </a:p>
@@ -8988,7 +8992,7 @@
           </a:lstStyle>
           <a:p>
             <a:r>
-              <a:rPr lang="en-US" smtClean="0"/>
+              <a:rPr lang="en-US"/>
               <a:t>Click to edit Master title style</a:t>
             </a:r>
             <a:endParaRPr lang="en-US" dirty="0"/>
@@ -9060,7 +9064,7 @@
           <a:p>
             <a:pPr lvl="0"/>
             <a:r>
-              <a:rPr lang="en-US" smtClean="0"/>
+              <a:rPr lang="en-US"/>
               <a:t>Click to edit Master text styles</a:t>
             </a:r>
           </a:p>
@@ -9090,35 +9094,35 @@
           <a:p>
             <a:pPr lvl="0"/>
             <a:r>
-              <a:rPr lang="en-US" smtClean="0"/>
+              <a:rPr lang="en-US"/>
               <a:t>Click to edit Master text styles</a:t>
             </a:r>
           </a:p>
           <a:p>
             <a:pPr lvl="1"/>
             <a:r>
-              <a:rPr lang="en-US" smtClean="0"/>
+              <a:rPr lang="en-US"/>
               <a:t>Second level</a:t>
             </a:r>
           </a:p>
           <a:p>
             <a:pPr lvl="2"/>
             <a:r>
-              <a:rPr lang="en-US" smtClean="0"/>
+              <a:rPr lang="en-US"/>
               <a:t>Third level</a:t>
             </a:r>
           </a:p>
           <a:p>
             <a:pPr lvl="3"/>
             <a:r>
-              <a:rPr lang="en-US" smtClean="0"/>
+              <a:rPr lang="en-US"/>
               <a:t>Fourth level</a:t>
             </a:r>
           </a:p>
           <a:p>
             <a:pPr lvl="4"/>
             <a:r>
-              <a:rPr lang="en-US" smtClean="0"/>
+              <a:rPr lang="en-US"/>
               <a:t>Fifth level</a:t>
             </a:r>
             <a:endParaRPr lang="en-US" dirty="0"/>
@@ -9190,7 +9194,7 @@
           <a:p>
             <a:pPr lvl="0"/>
             <a:r>
-              <a:rPr lang="en-US" smtClean="0"/>
+              <a:rPr lang="en-US"/>
               <a:t>Click to edit Master text styles</a:t>
             </a:r>
           </a:p>
@@ -9248,35 +9252,35 @@
           <a:p>
             <a:pPr lvl="0"/>
             <a:r>
-              <a:rPr lang="en-US" smtClean="0"/>
+              <a:rPr lang="en-US"/>
               <a:t>Click to edit Master text styles</a:t>
             </a:r>
           </a:p>
           <a:p>
             <a:pPr lvl="1"/>
             <a:r>
-              <a:rPr lang="en-US" smtClean="0"/>
+              <a:rPr lang="en-US"/>
               <a:t>Second level</a:t>
             </a:r>
           </a:p>
           <a:p>
             <a:pPr lvl="2"/>
             <a:r>
-              <a:rPr lang="en-US" smtClean="0"/>
+              <a:rPr lang="en-US"/>
               <a:t>Third level</a:t>
             </a:r>
           </a:p>
           <a:p>
             <a:pPr lvl="3"/>
             <a:r>
-              <a:rPr lang="en-US" smtClean="0"/>
+              <a:rPr lang="en-US"/>
               <a:t>Fourth level</a:t>
             </a:r>
           </a:p>
           <a:p>
             <a:pPr lvl="4"/>
             <a:r>
-              <a:rPr lang="en-US" smtClean="0"/>
+              <a:rPr lang="en-US"/>
               <a:t>Fifth level</a:t>
             </a:r>
             <a:endParaRPr lang="en-US" dirty="0"/>
@@ -9300,7 +9304,7 @@
           <a:p>
             <a:fld id="{5FDD63B2-E120-4ED8-B27B-C685F510A5FE}" type="datetimeFigureOut">
               <a:rPr lang="en-US" dirty="0"/>
-              <a:t>6/16/2017</a:t>
+              <a:t>10/23/2017</a:t>
             </a:fld>
             <a:endParaRPr lang="en-US" dirty="0"/>
           </a:p>
@@ -9403,7 +9407,7 @@
           </a:lstStyle>
           <a:p>
             <a:r>
-              <a:rPr lang="en-US" smtClean="0"/>
+              <a:rPr lang="en-US"/>
               <a:t>Click to edit Master title style</a:t>
             </a:r>
             <a:endParaRPr lang="en-US" dirty="0"/>
@@ -9427,7 +9431,7 @@
           <a:p>
             <a:fld id="{7AA18ACC-A947-437B-A130-35BD54FDF1E9}" type="datetimeFigureOut">
               <a:rPr lang="en-US" dirty="0"/>
-              <a:t>6/16/2017</a:t>
+              <a:t>10/23/2017</a:t>
             </a:fld>
             <a:endParaRPr lang="en-US" dirty="0"/>
           </a:p>
@@ -9522,7 +9526,7 @@
           <a:p>
             <a:fld id="{7C8D7E02-BCB8-4D50-A234-369438C08659}" type="datetimeFigureOut">
               <a:rPr lang="en-US" dirty="0"/>
-              <a:t>6/16/2017</a:t>
+              <a:t>10/23/2017</a:t>
             </a:fld>
             <a:endParaRPr lang="en-US" dirty="0"/>
           </a:p>
@@ -10448,7 +10452,7 @@
           </a:lstStyle>
           <a:p>
             <a:r>
-              <a:rPr lang="en-US" smtClean="0"/>
+              <a:rPr lang="en-US"/>
               <a:t>Click to edit Master title style</a:t>
             </a:r>
             <a:endParaRPr lang="en-US" dirty="0"/>
@@ -10479,35 +10483,35 @@
           <a:p>
             <a:pPr lvl="0"/>
             <a:r>
-              <a:rPr lang="en-US" smtClean="0"/>
+              <a:rPr lang="en-US"/>
               <a:t>Click to edit Master text styles</a:t>
             </a:r>
           </a:p>
           <a:p>
             <a:pPr lvl="1"/>
             <a:r>
-              <a:rPr lang="en-US" smtClean="0"/>
+              <a:rPr lang="en-US"/>
               <a:t>Second level</a:t>
             </a:r>
           </a:p>
           <a:p>
             <a:pPr lvl="2"/>
             <a:r>
-              <a:rPr lang="en-US" smtClean="0"/>
+              <a:rPr lang="en-US"/>
               <a:t>Third level</a:t>
             </a:r>
           </a:p>
           <a:p>
             <a:pPr lvl="3"/>
             <a:r>
-              <a:rPr lang="en-US" smtClean="0"/>
+              <a:rPr lang="en-US"/>
               <a:t>Fourth level</a:t>
             </a:r>
           </a:p>
           <a:p>
             <a:pPr lvl="4"/>
             <a:r>
-              <a:rPr lang="en-US" smtClean="0"/>
+              <a:rPr lang="en-US"/>
               <a:t>Fifth level</a:t>
             </a:r>
             <a:endParaRPr lang="en-US" dirty="0"/>
@@ -10580,7 +10584,7 @@
           <a:p>
             <a:pPr lvl="0"/>
             <a:r>
-              <a:rPr lang="en-US" smtClean="0"/>
+              <a:rPr lang="en-US"/>
               <a:t>Click to edit Master text styles</a:t>
             </a:r>
           </a:p>
@@ -10603,7 +10607,7 @@
           <a:p>
             <a:fld id="{76E86A4C-8E40-4F87-A4F0-01A0687C5742}" type="datetimeFigureOut">
               <a:rPr lang="en-US" dirty="0"/>
-              <a:t>6/16/2017</a:t>
+              <a:t>10/23/2017</a:t>
             </a:fld>
             <a:endParaRPr lang="en-US" dirty="0"/>
           </a:p>
@@ -11531,7 +11535,7 @@
           </a:lstStyle>
           <a:p>
             <a:r>
-              <a:rPr lang="en-US" smtClean="0"/>
+              <a:rPr lang="en-US"/>
               <a:t>Click to edit Master title style</a:t>
             </a:r>
             <a:endParaRPr lang="en-US" dirty="0"/>
@@ -11613,7 +11617,7 @@
               <a:buNone/>
             </a:pPr>
             <a:r>
-              <a:rPr lang="en-US" smtClean="0"/>
+              <a:rPr lang="en-US"/>
               <a:t>Click icon to add picture</a:t>
             </a:r>
             <a:endParaRPr lang="en-US" dirty="0"/>
@@ -11688,7 +11692,7 @@
           <a:p>
             <a:pPr lvl="0"/>
             <a:r>
-              <a:rPr lang="en-US" smtClean="0"/>
+              <a:rPr lang="en-US"/>
               <a:t>Click to edit Master text styles</a:t>
             </a:r>
           </a:p>
@@ -11711,7 +11715,7 @@
           <a:p>
             <a:fld id="{35E72C73-2D91-4E12-BA25-F0AA0C03599B}" type="datetimeFigureOut">
               <a:rPr lang="en-US" dirty="0"/>
-              <a:t>6/16/2017</a:t>
+              <a:t>10/23/2017</a:t>
             </a:fld>
             <a:endParaRPr lang="en-US" dirty="0"/>
           </a:p>
@@ -12606,7 +12610,7 @@
           <a:lstStyle/>
           <a:p>
             <a:r>
-              <a:rPr lang="en-US" smtClean="0"/>
+              <a:rPr lang="en-US"/>
               <a:t>Click to edit Master title style</a:t>
             </a:r>
             <a:endParaRPr lang="en-US" dirty="0"/>
@@ -12640,35 +12644,35 @@
           <a:p>
             <a:pPr lvl="0"/>
             <a:r>
-              <a:rPr lang="en-US" smtClean="0"/>
+              <a:rPr lang="en-US"/>
               <a:t>Click to edit Master text styles</a:t>
             </a:r>
           </a:p>
           <a:p>
             <a:pPr lvl="1"/>
             <a:r>
-              <a:rPr lang="en-US" smtClean="0"/>
+              <a:rPr lang="en-US"/>
               <a:t>Second level</a:t>
             </a:r>
           </a:p>
           <a:p>
             <a:pPr lvl="2"/>
             <a:r>
-              <a:rPr lang="en-US" smtClean="0"/>
+              <a:rPr lang="en-US"/>
               <a:t>Third level</a:t>
             </a:r>
           </a:p>
           <a:p>
             <a:pPr lvl="3"/>
             <a:r>
-              <a:rPr lang="en-US" smtClean="0"/>
+              <a:rPr lang="en-US"/>
               <a:t>Fourth level</a:t>
             </a:r>
           </a:p>
           <a:p>
             <a:pPr lvl="4"/>
             <a:r>
-              <a:rPr lang="en-US" smtClean="0"/>
+              <a:rPr lang="en-US"/>
               <a:t>Fifth level</a:t>
             </a:r>
             <a:endParaRPr lang="en-US" dirty="0"/>
@@ -12708,7 +12712,7 @@
           <a:p>
             <a:fld id="{2BE451C3-0FF4-47C4-B829-773ADF60F88C}" type="datetimeFigureOut">
               <a:rPr lang="en-US" dirty="0"/>
-              <a:t>6/16/2017</a:t>
+              <a:t>10/23/2017</a:t>
             </a:fld>
             <a:endParaRPr lang="en-US" dirty="0"/>
           </a:p>
@@ -13315,7 +13319,7 @@
               </a:rPr>
               <a:t> за следене на </a:t>
             </a:r>
-            <a:endParaRPr lang="en-US" sz="4400" dirty="0" smtClean="0">
+            <a:endParaRPr lang="en-US" sz="4400" dirty="0">
               <a:solidFill>
                 <a:schemeClr val="bg1"/>
               </a:solidFill>
@@ -13323,21 +13327,13 @@
           </a:p>
           <a:p>
             <a:pPr algn="ctr"/>
-            <a:r>
-              <a:rPr lang="bg-BG" sz="4400" dirty="0" smtClean="0">
-                <a:solidFill>
-                  <a:schemeClr val="bg1"/>
-                </a:solidFill>
-              </a:rPr>
-              <a:t>състоянието </a:t>
-            </a:r>
             <a:r>
               <a:rPr lang="bg-BG" sz="4400" dirty="0">
                 <a:solidFill>
                   <a:schemeClr val="bg1"/>
                 </a:solidFill>
               </a:rPr>
-              <a:t>на мрежова апаратура.</a:t>
+              <a:t>състоянието на мрежова апаратура.</a:t>
             </a:r>
             <a:endParaRPr lang="en-GB" sz="4400" dirty="0">
               <a:solidFill>
@@ -13369,12 +13365,12 @@
           </a:bodyPr>
           <a:lstStyle/>
           <a:p>
-            <a:endParaRPr lang="bg-BG" dirty="0" smtClean="0"/>
+            <a:endParaRPr lang="bg-BG" dirty="0"/>
           </a:p>
           <a:p>
             <a:pPr algn="ctr"/>
             <a:r>
-              <a:rPr lang="bg-BG" dirty="0" smtClean="0">
+              <a:rPr lang="bg-BG" dirty="0">
                 <a:solidFill>
                   <a:schemeClr val="bg1">
                     <a:lumMod val="85000"/>
@@ -13387,7 +13383,7 @@
           <a:p>
             <a:pPr algn="ctr"/>
             <a:r>
-              <a:rPr lang="bg-BG" dirty="0" smtClean="0">
+              <a:rPr lang="bg-BG" dirty="0">
                 <a:solidFill>
                   <a:schemeClr val="bg1">
                     <a:lumMod val="85000"/>
@@ -13400,7 +13396,7 @@
           <a:p>
             <a:pPr algn="ctr"/>
             <a:r>
-              <a:rPr lang="bg-BG" dirty="0" smtClean="0">
+              <a:rPr lang="bg-BG" dirty="0">
                 <a:solidFill>
                   <a:schemeClr val="bg1">
                     <a:lumMod val="85000"/>
@@ -13413,7 +13409,7 @@
           <a:p>
             <a:pPr algn="ctr"/>
             <a:r>
-              <a:rPr lang="bg-BG" dirty="0" smtClean="0">
+              <a:rPr lang="bg-BG" dirty="0">
                 <a:solidFill>
                   <a:schemeClr val="bg1">
                     <a:lumMod val="85000"/>
@@ -13426,7 +13422,7 @@
           <a:p>
             <a:pPr algn="ctr"/>
             <a:r>
-              <a:rPr lang="bg-BG" dirty="0" smtClean="0">
+              <a:rPr lang="bg-BG" dirty="0">
                 <a:solidFill>
                   <a:schemeClr val="bg1">
                     <a:lumMod val="85000"/>
@@ -13451,13 +13447,6 @@
   <p:clrMapOvr>
     <a:masterClrMapping/>
   </p:clrMapOvr>
-  <p:timing>
-    <p:tnLst>
-      <p:par>
-        <p:cTn id="1" dur="indefinite" restart="never" nodeType="tmRoot"/>
-      </p:par>
-    </p:tnLst>
-  </p:timing>
 </p:sld>
 </file>
 
@@ -13494,7 +13483,7 @@
           <a:lstStyle/>
           <a:p>
             <a:r>
-              <a:rPr lang="bg-BG" dirty="0" smtClean="0"/>
+              <a:rPr lang="bg-BG" dirty="0"/>
               <a:t>Задание</a:t>
             </a:r>
             <a:endParaRPr lang="en-GB" dirty="0"/>
@@ -13513,44 +13502,46 @@
         </p:nvSpPr>
         <p:spPr/>
         <p:txBody>
-          <a:bodyPr/>
+          <a:bodyPr>
+            <a:normAutofit lnSpcReduction="10000"/>
+          </a:bodyPr>
           <a:lstStyle/>
           <a:p>
             <a:pPr algn="just"/>
             <a:r>
-              <a:rPr lang="bg-BG" sz="2400" dirty="0" smtClean="0"/>
+              <a:rPr lang="bg-BG" sz="2400" dirty="0"/>
               <a:t>Системата да следи следните параметри: отпадане на захранващото напрежение + </a:t>
             </a:r>
             <a:r>
-              <a:rPr lang="en-US" sz="2400" dirty="0" smtClean="0"/>
+              <a:rPr lang="en-US" sz="2400" dirty="0"/>
               <a:t>UPS</a:t>
             </a:r>
             <a:r>
-              <a:rPr lang="en-GB" sz="2400" dirty="0" smtClean="0"/>
+              <a:rPr lang="en-GB" sz="2400" dirty="0"/>
               <a:t>, </a:t>
             </a:r>
             <a:r>
-              <a:rPr lang="bg-BG" sz="2400" dirty="0" smtClean="0"/>
+              <a:rPr lang="bg-BG" sz="2400" dirty="0"/>
               <a:t>температура, мрежова свързаност на възлите </a:t>
             </a:r>
             <a:r>
-              <a:rPr lang="en-US" sz="2400" dirty="0" smtClean="0"/>
+              <a:rPr lang="en-US" sz="2400" dirty="0"/>
               <a:t>(ping)</a:t>
             </a:r>
             <a:r>
-              <a:rPr lang="bg-BG" sz="2400" dirty="0" smtClean="0"/>
+              <a:rPr lang="bg-BG" sz="2400" dirty="0"/>
               <a:t>, работа на услуги (</a:t>
             </a:r>
             <a:r>
-              <a:rPr lang="en-US" sz="2400" dirty="0" err="1" smtClean="0"/>
+              <a:rPr lang="en-US" sz="2400" dirty="0" err="1"/>
               <a:t>ssh</a:t>
             </a:r>
             <a:r>
-              <a:rPr lang="en-US" sz="2400" dirty="0" smtClean="0"/>
+              <a:rPr lang="en-US" sz="2400" dirty="0"/>
               <a:t>, http, </a:t>
             </a:r>
             <a:r>
-              <a:rPr lang="en-US" sz="2400" dirty="0" err="1" smtClean="0"/>
+              <a:rPr lang="en-US" sz="2400" dirty="0" err="1"/>
               <a:t>smtp</a:t>
             </a:r>
             <a:r>
@@ -13558,30 +13549,30 @@
               <a:t> </a:t>
             </a:r>
             <a:r>
-              <a:rPr lang="bg-BG" sz="2400" dirty="0" smtClean="0"/>
+              <a:rPr lang="bg-BG" sz="2400" dirty="0"/>
               <a:t>и др) по зададен адрес, порт и схема (протоколо).</a:t>
             </a:r>
           </a:p>
           <a:p>
             <a:pPr algn="just"/>
             <a:r>
-              <a:rPr lang="bg-BG" sz="2400" dirty="0" smtClean="0"/>
+              <a:rPr lang="bg-BG" sz="2400" dirty="0"/>
               <a:t>При отпадане на услуга или излизане на следените параметри от определени граници да изпраща </a:t>
             </a:r>
             <a:r>
-              <a:rPr lang="en-US" sz="2400" dirty="0" smtClean="0"/>
+              <a:rPr lang="en-US" sz="2400" dirty="0"/>
               <a:t>SMS</a:t>
             </a:r>
             <a:r>
-              <a:rPr lang="bg-BG" sz="2400" dirty="0" smtClean="0"/>
+              <a:rPr lang="bg-BG" sz="2400" dirty="0"/>
               <a:t> и да може да рестартира мрежов възел при команда през </a:t>
             </a:r>
             <a:r>
-              <a:rPr lang="en-US" sz="2400" dirty="0" smtClean="0"/>
+              <a:rPr lang="en-US" sz="2400" dirty="0"/>
               <a:t>GSM</a:t>
             </a:r>
             <a:r>
-              <a:rPr lang="bg-BG" sz="2400" dirty="0" smtClean="0"/>
+              <a:rPr lang="bg-BG" sz="2400" dirty="0"/>
               <a:t>.</a:t>
             </a:r>
           </a:p>
@@ -13603,13 +13594,6 @@
   <p:clrMapOvr>
     <a:masterClrMapping/>
   </p:clrMapOvr>
-  <p:timing>
-    <p:tnLst>
-      <p:par>
-        <p:cTn id="1" dur="indefinite" restart="never" nodeType="tmRoot"/>
-      </p:par>
-    </p:tnLst>
-  </p:timing>
 </p:sld>
 </file>
 
@@ -13646,7 +13630,7 @@
           <a:lstStyle/>
           <a:p>
             <a:r>
-              <a:rPr lang="bg-BG" dirty="0" smtClean="0"/>
+              <a:rPr lang="bg-BG" dirty="0"/>
               <a:t>Разпределение на задачите</a:t>
             </a:r>
             <a:endParaRPr lang="en-GB" dirty="0"/>
@@ -13669,101 +13653,101 @@
           <a:lstStyle/>
           <a:p>
             <a:r>
-              <a:rPr lang="bg-BG" sz="2000" b="1" dirty="0" smtClean="0"/>
+              <a:rPr lang="bg-BG" sz="2000" b="1" dirty="0"/>
               <a:t>Трифон</a:t>
             </a:r>
             <a:r>
-              <a:rPr lang="bg-BG" sz="2000" dirty="0" smtClean="0"/>
+              <a:rPr lang="bg-BG" sz="2000" dirty="0"/>
               <a:t>: Модул за следене на отпадане на захванващото напрежение + </a:t>
             </a:r>
             <a:r>
-              <a:rPr lang="en-US" sz="2000" dirty="0" smtClean="0"/>
+              <a:rPr lang="en-US" sz="2000" dirty="0"/>
               <a:t>UPS</a:t>
             </a:r>
             <a:r>
-              <a:rPr lang="bg-BG" sz="2000" dirty="0" smtClean="0"/>
+              <a:rPr lang="bg-BG" sz="2000" dirty="0"/>
               <a:t>. Мрежова свързаност на възлите </a:t>
             </a:r>
             <a:r>
-              <a:rPr lang="en-US" sz="2000" dirty="0" smtClean="0"/>
+              <a:rPr lang="en-US" sz="2000" dirty="0"/>
               <a:t>(ping)</a:t>
             </a:r>
-            <a:endParaRPr lang="bg-BG" sz="2000" dirty="0" smtClean="0"/>
-          </a:p>
-          <a:p>
-            <a:r>
-              <a:rPr lang="bg-BG" sz="2000" b="1" dirty="0" smtClean="0"/>
+            <a:endParaRPr lang="bg-BG" sz="2000" dirty="0"/>
+          </a:p>
+          <a:p>
+            <a:r>
+              <a:rPr lang="bg-BG" sz="2000" b="1" dirty="0"/>
               <a:t>Велизар</a:t>
             </a:r>
             <a:r>
-              <a:rPr lang="bg-BG" sz="2000" dirty="0" smtClean="0"/>
+              <a:rPr lang="bg-BG" sz="2000" dirty="0"/>
               <a:t>: Модул заследене на температурата. </a:t>
             </a:r>
             <a:r>
-              <a:rPr lang="en-US" sz="2000" dirty="0" smtClean="0"/>
+              <a:rPr lang="en-US" sz="2000" dirty="0"/>
               <a:t>Linux </a:t>
             </a:r>
             <a:r>
-              <a:rPr lang="bg-BG" sz="2000" dirty="0" smtClean="0"/>
+              <a:rPr lang="bg-BG" sz="2000" dirty="0"/>
               <a:t>администрация и администриране на база данни.</a:t>
             </a:r>
-            <a:endParaRPr lang="en-GB" sz="2000" dirty="0" smtClean="0"/>
-          </a:p>
-          <a:p>
-            <a:r>
-              <a:rPr lang="bg-BG" sz="2000" b="1" dirty="0" smtClean="0"/>
+            <a:endParaRPr lang="en-GB" sz="2000" dirty="0"/>
+          </a:p>
+          <a:p>
+            <a:r>
+              <a:rPr lang="bg-BG" sz="2000" b="1" dirty="0"/>
               <a:t>Иван</a:t>
             </a:r>
             <a:r>
-              <a:rPr lang="bg-BG" sz="2000" dirty="0" smtClean="0"/>
+              <a:rPr lang="bg-BG" sz="2000" dirty="0"/>
               <a:t>: </a:t>
             </a:r>
             <a:r>
-              <a:rPr lang="en-US" sz="2000" dirty="0" smtClean="0"/>
+              <a:rPr lang="en-US" sz="2000" dirty="0"/>
               <a:t>SSH, HTTP, SMTP </a:t>
             </a:r>
             <a:r>
-              <a:rPr lang="bg-BG" sz="2000" dirty="0" smtClean="0"/>
+              <a:rPr lang="bg-BG" sz="2000" dirty="0"/>
               <a:t>и др. по зададен адрес, порт и схема(протокол).</a:t>
             </a:r>
           </a:p>
           <a:p>
             <a:r>
-              <a:rPr lang="bg-BG" sz="2000" b="1" dirty="0" smtClean="0"/>
+              <a:rPr lang="bg-BG" sz="2000" b="1" dirty="0"/>
               <a:t>Антон</a:t>
             </a:r>
             <a:r>
-              <a:rPr lang="bg-BG" sz="2000" dirty="0" smtClean="0"/>
+              <a:rPr lang="bg-BG" sz="2000" dirty="0"/>
               <a:t>: </a:t>
             </a:r>
             <a:r>
-              <a:rPr lang="en-US" sz="2000" dirty="0" smtClean="0"/>
+              <a:rPr lang="en-US" sz="2000" dirty="0"/>
               <a:t>GSM </a:t>
             </a:r>
             <a:r>
-              <a:rPr lang="bg-BG" sz="2000" dirty="0" smtClean="0"/>
+              <a:rPr lang="bg-BG" sz="2000" dirty="0"/>
               <a:t>модул. При отпадане на услуга или излизане на следените параметри от определи граници да изпраща </a:t>
             </a:r>
             <a:r>
-              <a:rPr lang="en-US" sz="2000" dirty="0" smtClean="0"/>
+              <a:rPr lang="en-US" sz="2000" dirty="0"/>
               <a:t>SMS</a:t>
             </a:r>
             <a:r>
-              <a:rPr lang="en-GB" sz="2000" dirty="0" smtClean="0"/>
+              <a:rPr lang="en-GB" sz="2000" dirty="0"/>
               <a:t> </a:t>
             </a:r>
             <a:r>
-              <a:rPr lang="bg-BG" sz="2000" dirty="0" smtClean="0"/>
+              <a:rPr lang="bg-BG" sz="2000" dirty="0"/>
               <a:t>и да може да рестартира мрежов възел при команда през </a:t>
             </a:r>
             <a:r>
-              <a:rPr lang="en-US" sz="2000" dirty="0" smtClean="0"/>
+              <a:rPr lang="en-US" sz="2000" dirty="0"/>
               <a:t>GSM.</a:t>
             </a:r>
-            <a:endParaRPr lang="en-GB" sz="2000" dirty="0" smtClean="0"/>
-          </a:p>
-          <a:p>
-            <a:endParaRPr lang="bg-BG" dirty="0" smtClean="0"/>
+            <a:endParaRPr lang="en-GB" sz="2000" dirty="0"/>
+          </a:p>
+          <a:p>
+            <a:endParaRPr lang="bg-BG" dirty="0"/>
           </a:p>
           <a:p>
             <a:endParaRPr lang="en-GB" dirty="0"/>
@@ -13780,13 +13764,6 @@
   <p:clrMapOvr>
     <a:masterClrMapping/>
   </p:clrMapOvr>
-  <p:timing>
-    <p:tnLst>
-      <p:par>
-        <p:cTn id="1" dur="indefinite" restart="never" nodeType="tmRoot"/>
-      </p:par>
-    </p:tnLst>
-  </p:timing>
 </p:sld>
 </file>
 
@@ -13823,7 +13800,7 @@
           <a:lstStyle/>
           <a:p>
             <a:r>
-              <a:rPr lang="bg-BG" dirty="0" smtClean="0"/>
+              <a:rPr lang="bg-BG" dirty="0"/>
               <a:t>Хардуер</a:t>
             </a:r>
             <a:endParaRPr lang="en-GB" dirty="0"/>
@@ -13846,15 +13823,15 @@
           <a:lstStyle/>
           <a:p>
             <a:r>
-              <a:rPr lang="en-GB" dirty="0" err="1" smtClean="0"/>
+              <a:rPr lang="en-GB" dirty="0" err="1"/>
               <a:t>OLinuXino</a:t>
             </a:r>
             <a:r>
-              <a:rPr lang="bg-BG" dirty="0" smtClean="0"/>
+              <a:rPr lang="bg-BG" dirty="0"/>
               <a:t> А</a:t>
             </a:r>
             <a:r>
-              <a:rPr lang="en-US" dirty="0" smtClean="0"/>
+              <a:rPr lang="en-US" dirty="0"/>
               <a:t>13</a:t>
             </a:r>
             <a:endParaRPr lang="en-GB" dirty="0"/>
@@ -13919,11 +13896,7 @@
             </a:pPr>
             <a:r>
               <a:rPr lang="en-GB" dirty="0"/>
-              <a:t>A13 Cortex A8 processor at 1GHz, 3D Mali400 </a:t>
-            </a:r>
-            <a:r>
-              <a:rPr lang="en-GB" dirty="0" smtClean="0"/>
-              <a:t>GPU</a:t>
+              <a:t>A13 Cortex A8 processor at 1GHz, 3D Mali400 GPU</a:t>
             </a:r>
           </a:p>
           <a:p>
@@ -13935,7 +13908,7 @@
               <a:buChar char="Ø"/>
             </a:pPr>
             <a:r>
-              <a:rPr lang="en-US" dirty="0" smtClean="0"/>
+              <a:rPr lang="en-US" dirty="0"/>
               <a:t>UEXT: MOD-TC</a:t>
             </a:r>
           </a:p>
@@ -13944,7 +13917,7 @@
               <a:buFont typeface="Wingdings" panose="05000000000000000000" pitchFamily="2" charset="2"/>
               <a:buChar char="Ø"/>
             </a:pPr>
-            <a:endParaRPr lang="bg-BG" dirty="0" smtClean="0"/>
+            <a:endParaRPr lang="bg-BG" dirty="0"/>
           </a:p>
           <a:p>
             <a:pPr marL="285750" indent="-285750">
@@ -13952,17 +13925,16 @@
               <a:buChar char="Ø"/>
             </a:pPr>
             <a:r>
-              <a:rPr lang="en-GB" dirty="0" smtClean="0"/>
+              <a:rPr lang="en-GB" dirty="0"/>
               <a:t>USB: USB-ETHERNET-AX88772B</a:t>
             </a:r>
-            <a:endParaRPr lang="en-GB" dirty="0"/>
           </a:p>
           <a:p>
             <a:pPr marL="285750" indent="-285750">
               <a:buFont typeface="Wingdings" panose="05000000000000000000" pitchFamily="2" charset="2"/>
               <a:buChar char="Ø"/>
             </a:pPr>
-            <a:endParaRPr lang="en-US" dirty="0" smtClean="0"/>
+            <a:endParaRPr lang="en-US" dirty="0"/>
           </a:p>
           <a:p>
             <a:pPr marL="285750" indent="-285750">
@@ -13970,14 +13942,14 @@
               <a:buChar char="Ø"/>
             </a:pPr>
             <a:r>
-              <a:rPr lang="bg-BG" dirty="0" smtClean="0"/>
+              <a:rPr lang="bg-BG" dirty="0"/>
               <a:t>Симулиране на </a:t>
             </a:r>
             <a:r>
-              <a:rPr lang="en-US" dirty="0" smtClean="0"/>
+              <a:rPr lang="en-US" dirty="0"/>
               <a:t>UPS </a:t>
             </a:r>
-            <a:endParaRPr lang="en-GB" dirty="0" smtClean="0"/>
+            <a:endParaRPr lang="en-GB" dirty="0"/>
           </a:p>
           <a:p>
             <a:pPr marL="285750" indent="-285750">
@@ -13992,10 +13964,9 @@
               <a:buChar char="Ø"/>
             </a:pPr>
             <a:r>
-              <a:rPr lang="en-GB" dirty="0" smtClean="0"/>
+              <a:rPr lang="en-GB" dirty="0"/>
               <a:t>UEXT/GPIO: PIG-GSM </a:t>
             </a:r>
-            <a:endParaRPr lang="en-GB" dirty="0"/>
           </a:p>
         </p:txBody>
       </p:sp>
@@ -14009,13 +13980,6 @@
   <p:clrMapOvr>
     <a:masterClrMapping/>
   </p:clrMapOvr>
-  <p:timing>
-    <p:tnLst>
-      <p:par>
-        <p:cTn id="1" dur="indefinite" restart="never" nodeType="tmRoot"/>
-      </p:par>
-    </p:tnLst>
-  </p:timing>
 </p:sld>
 </file>
 
@@ -14052,7 +14016,7 @@
           <a:lstStyle/>
           <a:p>
             <a:r>
-              <a:rPr lang="bg-BG" dirty="0" smtClean="0"/>
+              <a:rPr lang="bg-BG" dirty="0"/>
               <a:t>Архитектура</a:t>
             </a:r>
             <a:endParaRPr lang="en-GB" dirty="0"/>
@@ -14096,10 +14060,9 @@
           <a:p>
             <a:pPr algn="ctr"/>
             <a:r>
-              <a:rPr lang="en-GB" dirty="0" smtClean="0"/>
+              <a:rPr lang="en-GB" dirty="0"/>
               <a:t>main</a:t>
             </a:r>
-            <a:endParaRPr lang="en-GB" dirty="0"/>
           </a:p>
         </p:txBody>
       </p:sp>
@@ -14140,17 +14103,16 @@
           <a:p>
             <a:pPr algn="ctr"/>
             <a:r>
-              <a:rPr lang="en-GB" dirty="0" smtClean="0"/>
+              <a:rPr lang="en-GB" dirty="0"/>
               <a:t>UPS </a:t>
             </a:r>
           </a:p>
           <a:p>
             <a:pPr algn="ctr"/>
             <a:r>
-              <a:rPr lang="en-GB" dirty="0" smtClean="0"/>
+              <a:rPr lang="en-GB" dirty="0"/>
               <a:t>Simulator</a:t>
             </a:r>
-            <a:endParaRPr lang="en-GB" dirty="0"/>
           </a:p>
         </p:txBody>
       </p:sp>
@@ -14191,17 +14153,16 @@
           <a:p>
             <a:pPr algn="ctr"/>
             <a:r>
-              <a:rPr lang="en-GB" dirty="0" smtClean="0"/>
+              <a:rPr lang="en-GB" dirty="0"/>
               <a:t>UPS </a:t>
             </a:r>
           </a:p>
           <a:p>
             <a:pPr algn="ctr"/>
             <a:r>
-              <a:rPr lang="en-GB" dirty="0" smtClean="0"/>
+              <a:rPr lang="en-GB" dirty="0"/>
               <a:t>Event Listener</a:t>
             </a:r>
-            <a:endParaRPr lang="en-GB" dirty="0"/>
           </a:p>
         </p:txBody>
       </p:sp>
@@ -14268,10 +14229,9 @@
           <a:lstStyle/>
           <a:p>
             <a:r>
-              <a:rPr lang="en-GB" sz="1600" dirty="0" smtClean="0"/>
+              <a:rPr lang="en-GB" sz="1600" dirty="0"/>
               <a:t>subscribe</a:t>
             </a:r>
-            <a:endParaRPr lang="en-GB" sz="1600" dirty="0"/>
           </a:p>
         </p:txBody>
       </p:sp>
@@ -14312,14 +14272,14 @@
           <a:p>
             <a:pPr algn="ctr"/>
             <a:r>
-              <a:rPr lang="en-GB" dirty="0" smtClean="0"/>
+              <a:rPr lang="en-GB" dirty="0"/>
               <a:t>Basic</a:t>
             </a:r>
           </a:p>
           <a:p>
             <a:pPr algn="ctr"/>
             <a:r>
-              <a:rPr lang="en-GB" dirty="0" smtClean="0"/>
+              <a:rPr lang="en-GB" dirty="0"/>
               <a:t>Web Connection</a:t>
             </a:r>
           </a:p>
@@ -14362,10 +14322,9 @@
           <a:p>
             <a:pPr algn="ctr"/>
             <a:r>
-              <a:rPr lang="en-GB" dirty="0" smtClean="0"/>
+              <a:rPr lang="en-GB" dirty="0"/>
               <a:t>WEB</a:t>
             </a:r>
-            <a:endParaRPr lang="en-GB" dirty="0"/>
           </a:p>
         </p:txBody>
       </p:sp>
@@ -14471,10 +14430,9 @@
           <a:p>
             <a:pPr algn="ctr"/>
             <a:r>
-              <a:rPr lang="en-GB" dirty="0" smtClean="0"/>
+              <a:rPr lang="en-GB" dirty="0"/>
               <a:t>MongoDB</a:t>
             </a:r>
-            <a:endParaRPr lang="en-GB" dirty="0"/>
           </a:p>
         </p:txBody>
       </p:sp>
@@ -14542,10 +14500,9 @@
           <a:lstStyle/>
           <a:p>
             <a:r>
-              <a:rPr lang="en-GB" sz="1600" dirty="0" smtClean="0"/>
+              <a:rPr lang="en-GB" sz="1600" dirty="0"/>
               <a:t>store (write)</a:t>
             </a:r>
-            <a:endParaRPr lang="en-GB" sz="1600" dirty="0"/>
           </a:p>
         </p:txBody>
       </p:sp>
@@ -14586,17 +14543,16 @@
           <a:p>
             <a:pPr algn="ctr"/>
             <a:r>
-              <a:rPr lang="en-GB" dirty="0" smtClean="0"/>
+              <a:rPr lang="en-GB" dirty="0"/>
               <a:t>GSM </a:t>
             </a:r>
           </a:p>
           <a:p>
             <a:pPr algn="ctr"/>
             <a:r>
-              <a:rPr lang="en-GB" dirty="0" smtClean="0"/>
+              <a:rPr lang="en-GB" dirty="0"/>
               <a:t>Module</a:t>
             </a:r>
-            <a:endParaRPr lang="en-GB" dirty="0"/>
           </a:p>
         </p:txBody>
       </p:sp>
@@ -14649,7 +14605,7 @@
         </p:nvSpPr>
         <p:spPr>
           <a:xfrm>
-            <a:off x="6942651" y="5544864"/>
+            <a:off x="6560786" y="5588119"/>
             <a:ext cx="1708030" cy="897147"/>
           </a:xfrm>
           <a:prstGeom prst="rect">
@@ -14678,62 +14634,33 @@
           <a:p>
             <a:pPr algn="ctr"/>
             <a:r>
-              <a:rPr lang="en-GB" dirty="0" smtClean="0"/>
+              <a:rPr lang="en-GB" dirty="0"/>
               <a:t>Temperature </a:t>
             </a:r>
             <a:br>
-              <a:rPr lang="en-GB" dirty="0" smtClean="0"/>
+              <a:rPr lang="en-GB" dirty="0"/>
             </a:br>
             <a:r>
-              <a:rPr lang="en-GB" dirty="0" smtClean="0"/>
+              <a:rPr lang="en-GB" dirty="0"/>
               <a:t>Reader</a:t>
             </a:r>
-            <a:endParaRPr lang="en-GB" dirty="0"/>
           </a:p>
         </p:txBody>
       </p:sp>
-      <p:pic>
-        <p:nvPicPr>
-          <p:cNvPr id="37" name="Picture 36"/>
-          <p:cNvPicPr>
-            <a:picLocks noChangeAspect="1"/>
-          </p:cNvPicPr>
-          <p:nvPr/>
-        </p:nvPicPr>
-        <p:blipFill>
-          <a:blip r:embed="rId2">
-            <a:extLst>
-              <a:ext uri="{28A0092B-C50C-407E-A947-70E740481C1C}">
-                <a14:useLocalDpi xmlns:a14="http://schemas.microsoft.com/office/drawing/2010/main" val="0"/>
-              </a:ext>
-            </a:extLst>
-          </a:blip>
-          <a:stretch>
-            <a:fillRect/>
-          </a:stretch>
-        </p:blipFill>
-        <p:spPr>
-          <a:xfrm>
-            <a:off x="10008568" y="5377801"/>
-            <a:ext cx="1583122" cy="1064210"/>
-          </a:xfrm>
-          <a:prstGeom prst="rect">
-            <a:avLst/>
-          </a:prstGeom>
-        </p:spPr>
-      </p:pic>
       <p:cxnSp>
         <p:nvCxnSpPr>
           <p:cNvPr id="39" name="Straight Arrow Connector 38"/>
           <p:cNvCxnSpPr>
+            <a:cxnSpLocks/>
+            <a:stCxn id="18" idx="1"/>
             <a:endCxn id="36" idx="3"/>
           </p:cNvCxnSpPr>
           <p:nvPr/>
         </p:nvCxnSpPr>
         <p:spPr>
-          <a:xfrm flipH="1" flipV="1">
-            <a:off x="8650681" y="5993438"/>
-            <a:ext cx="1265686" cy="8158"/>
+          <a:xfrm flipH="1">
+            <a:off x="8268816" y="6036693"/>
+            <a:ext cx="1325974" cy="0"/>
           </a:xfrm>
           <a:prstGeom prst="straightConnector1">
             <a:avLst/>
@@ -14799,18 +14726,18 @@
           <a:p>
             <a:pPr algn="ctr"/>
             <a:r>
-              <a:rPr lang="en-GB" dirty="0" smtClean="0"/>
+              <a:rPr lang="en-GB" dirty="0"/>
               <a:t>Services</a:t>
             </a:r>
             <a:br>
-              <a:rPr lang="en-GB" dirty="0" smtClean="0"/>
+              <a:rPr lang="en-GB" dirty="0"/>
             </a:br>
             <a:r>
-              <a:rPr lang="en-GB" dirty="0" smtClean="0"/>
+              <a:rPr lang="en-GB" dirty="0"/>
               <a:t>SSH, HTTP, SMTP </a:t>
             </a:r>
             <a:r>
-              <a:rPr lang="bg-BG" dirty="0" smtClean="0"/>
+              <a:rPr lang="bg-BG" dirty="0"/>
               <a:t>и др.</a:t>
             </a:r>
             <a:endParaRPr lang="en-GB" dirty="0"/>
@@ -14859,6 +14786,7 @@
         <p:nvCxnSpPr>
           <p:cNvPr id="59" name="Elbow Connector 58"/>
           <p:cNvCxnSpPr>
+            <a:cxnSpLocks/>
             <a:stCxn id="36" idx="1"/>
             <a:endCxn id="4" idx="2"/>
           </p:cNvCxnSpPr>
@@ -14866,8 +14794,8 @@
         </p:nvCxnSpPr>
         <p:spPr>
           <a:xfrm rot="10800000">
-            <a:off x="5529533" y="4925684"/>
-            <a:ext cx="1413119" cy="1067755"/>
+            <a:off x="5529532" y="4925683"/>
+            <a:ext cx="1031254" cy="1111010"/>
           </a:xfrm>
           <a:prstGeom prst="bentConnector2">
             <a:avLst/>
@@ -15028,7 +14956,7 @@
           <p:nvPr/>
         </p:nvPicPr>
         <p:blipFill>
-          <a:blip r:embed="rId3">
+          <a:blip r:embed="rId2">
             <a:extLst>
               <a:ext uri="{28A0092B-C50C-407E-A947-70E740481C1C}">
                 <a14:useLocalDpi xmlns:a14="http://schemas.microsoft.com/office/drawing/2010/main" val="0"/>
@@ -15058,7 +14986,7 @@
           <p:nvPr/>
         </p:nvPicPr>
         <p:blipFill>
-          <a:blip r:embed="rId4">
+          <a:blip r:embed="rId3">
             <a:extLst>
               <a:ext uri="{28A0092B-C50C-407E-A947-70E740481C1C}">
                 <a14:useLocalDpi xmlns:a14="http://schemas.microsoft.com/office/drawing/2010/main" val="0"/>
@@ -15102,7 +15030,7 @@
           <a:lstStyle/>
           <a:p>
             <a:r>
-              <a:rPr lang="en-US" dirty="0" smtClean="0"/>
+              <a:rPr lang="en-US" dirty="0"/>
               <a:t>SMS</a:t>
             </a:r>
             <a:endParaRPr lang="en-GB" dirty="0"/>
@@ -15132,7 +15060,7 @@
           <a:lstStyle/>
           <a:p>
             <a:r>
-              <a:rPr lang="en-US" sz="1600" dirty="0" smtClean="0"/>
+              <a:rPr lang="en-US" sz="1600" dirty="0"/>
               <a:t>request</a:t>
             </a:r>
             <a:endParaRPr lang="en-GB" sz="1600" dirty="0"/>
@@ -15162,7 +15090,7 @@
           <a:lstStyle/>
           <a:p>
             <a:r>
-              <a:rPr lang="en-US" dirty="0" smtClean="0"/>
+              <a:rPr lang="en-US" dirty="0"/>
               <a:t>read</a:t>
             </a:r>
             <a:endParaRPr lang="en-GB" dirty="0"/>
@@ -15177,8 +15105,8 @@
         </p:nvSpPr>
         <p:spPr>
           <a:xfrm>
-            <a:off x="9015509" y="5642736"/>
-            <a:ext cx="585930" cy="338554"/>
+            <a:off x="8552873" y="5642736"/>
+            <a:ext cx="1048566" cy="338554"/>
           </a:xfrm>
           <a:prstGeom prst="rect">
             <a:avLst/>
@@ -15186,13 +15114,13 @@
           <a:noFill/>
         </p:spPr>
         <p:txBody>
-          <a:bodyPr wrap="none" rtlCol="0">
+          <a:bodyPr wrap="square" rtlCol="0">
             <a:spAutoFit/>
           </a:bodyPr>
           <a:lstStyle/>
           <a:p>
             <a:r>
-              <a:rPr lang="en-US" sz="1600" dirty="0" smtClean="0"/>
+              <a:rPr lang="en-US" sz="1600" dirty="0"/>
               <a:t>read</a:t>
             </a:r>
             <a:endParaRPr lang="en-GB" sz="1600" dirty="0"/>
@@ -15222,7 +15150,7 @@
           <a:lstStyle/>
           <a:p>
             <a:r>
-              <a:rPr lang="en-US" sz="1600" dirty="0" smtClean="0"/>
+              <a:rPr lang="en-US" sz="1600" dirty="0"/>
               <a:t>send</a:t>
             </a:r>
             <a:endParaRPr lang="en-GB" sz="1600" dirty="0"/>
@@ -15252,7 +15180,7 @@
           <a:lstStyle/>
           <a:p>
             <a:r>
-              <a:rPr lang="en-US" sz="1600" dirty="0" smtClean="0"/>
+              <a:rPr lang="en-US" sz="1600" dirty="0"/>
               <a:t>send</a:t>
             </a:r>
             <a:endParaRPr lang="en-GB" sz="1600" dirty="0"/>
@@ -15282,7 +15210,7 @@
           <a:lstStyle/>
           <a:p>
             <a:r>
-              <a:rPr lang="en-US" sz="1600" dirty="0" smtClean="0"/>
+              <a:rPr lang="en-US" sz="1600" dirty="0"/>
               <a:t>send</a:t>
             </a:r>
             <a:endParaRPr lang="en-GB" sz="1600" dirty="0"/>
@@ -15297,8 +15225,8 @@
         </p:nvSpPr>
         <p:spPr>
           <a:xfrm>
-            <a:off x="5879578" y="5642736"/>
-            <a:ext cx="614271" cy="338554"/>
+            <a:off x="5668862" y="5642736"/>
+            <a:ext cx="824988" cy="338554"/>
           </a:xfrm>
           <a:prstGeom prst="rect">
             <a:avLst/>
@@ -15306,19 +15234,49 @@
           <a:noFill/>
         </p:spPr>
         <p:txBody>
-          <a:bodyPr wrap="none" rtlCol="0">
+          <a:bodyPr wrap="square" rtlCol="0">
             <a:spAutoFit/>
           </a:bodyPr>
           <a:lstStyle/>
           <a:p>
             <a:r>
-              <a:rPr lang="en-US" sz="1600" dirty="0" smtClean="0"/>
+              <a:rPr lang="en-US" sz="1600" dirty="0"/>
               <a:t>send</a:t>
             </a:r>
             <a:endParaRPr lang="en-GB" sz="1600" dirty="0"/>
           </a:p>
         </p:txBody>
       </p:sp>
+      <p:pic>
+        <p:nvPicPr>
+          <p:cNvPr id="18" name="Picture 17">
+            <a:extLst>
+              <a:ext uri="{FF2B5EF4-FFF2-40B4-BE49-F238E27FC236}">
+                <a16:creationId xmlns:a16="http://schemas.microsoft.com/office/drawing/2014/main" id="{5EB7C521-9E3A-43AC-8BEC-E3C1A2660446}"/>
+              </a:ext>
+            </a:extLst>
+          </p:cNvPr>
+          <p:cNvPicPr>
+            <a:picLocks noChangeAspect="1"/>
+          </p:cNvPicPr>
+          <p:nvPr/>
+        </p:nvPicPr>
+        <p:blipFill>
+          <a:blip r:embed="rId4"/>
+          <a:stretch>
+            <a:fillRect/>
+          </a:stretch>
+        </p:blipFill>
+        <p:spPr>
+          <a:xfrm>
+            <a:off x="9594790" y="5386969"/>
+            <a:ext cx="2192166" cy="1299448"/>
+          </a:xfrm>
+          <a:prstGeom prst="rect">
+            <a:avLst/>
+          </a:prstGeom>
+        </p:spPr>
+      </p:pic>
     </p:spTree>
     <p:extLst>
       <p:ext uri="{BB962C8B-B14F-4D97-AF65-F5344CB8AC3E}">
@@ -15329,13 +15287,6 @@
   <p:clrMapOvr>
     <a:masterClrMapping/>
   </p:clrMapOvr>
-  <p:timing>
-    <p:tnLst>
-      <p:par>
-        <p:cTn id="1" dur="indefinite" restart="never" nodeType="tmRoot"/>
-      </p:par>
-    </p:tnLst>
-  </p:timing>
 </p:sld>
 </file>
 
@@ -15372,7 +15323,7 @@
           <a:lstStyle/>
           <a:p>
             <a:r>
-              <a:rPr lang="bg-BG" dirty="0" smtClean="0"/>
+              <a:rPr lang="bg-BG" dirty="0"/>
               <a:t>Проблеми</a:t>
             </a:r>
             <a:endParaRPr lang="en-GB" dirty="0"/>
@@ -15403,36 +15354,36 @@
               <a:buNone/>
             </a:pPr>
             <a:r>
-              <a:rPr lang="bg-BG" sz="4800" dirty="0" smtClean="0"/>
+              <a:rPr lang="bg-BG" sz="4800" dirty="0"/>
               <a:t>От къде да почнем?</a:t>
             </a:r>
             <a:r>
-              <a:rPr lang="en-US" sz="4800" dirty="0" smtClean="0"/>
+              <a:rPr lang="en-US" sz="4800" dirty="0"/>
               <a:t> </a:t>
             </a:r>
             <a:r>
-              <a:rPr lang="en-US" sz="4800" dirty="0" smtClean="0">
+              <a:rPr lang="en-US" sz="4800" dirty="0">
                 <a:sym typeface="Wingdings" panose="05000000000000000000" pitchFamily="2" charset="2"/>
               </a:rPr>
               <a:t></a:t>
             </a:r>
-            <a:endParaRPr lang="bg-BG" sz="4800" dirty="0" smtClean="0"/>
-          </a:p>
-          <a:p>
-            <a:r>
-              <a:rPr lang="en-US" sz="2800" dirty="0" smtClean="0"/>
+            <a:endParaRPr lang="bg-BG" sz="4800" dirty="0"/>
+          </a:p>
+          <a:p>
+            <a:r>
+              <a:rPr lang="en-US" sz="2800" dirty="0"/>
               <a:t>Linux (SD card)</a:t>
             </a:r>
           </a:p>
           <a:p>
             <a:r>
-              <a:rPr lang="en-US" sz="2800" dirty="0" smtClean="0"/>
+              <a:rPr lang="en-US" sz="2800" dirty="0"/>
               <a:t>Problems with accessing serial port data</a:t>
             </a:r>
           </a:p>
           <a:p>
             <a:r>
-              <a:rPr lang="en-US" sz="2800" dirty="0" smtClean="0"/>
+              <a:rPr lang="en-US" sz="2800" dirty="0"/>
               <a:t>Parallel access to our two serial port devices (MOD-TC and PIC-GSM)</a:t>
             </a:r>
             <a:endParaRPr lang="en-GB" sz="2800" dirty="0"/>
@@ -15449,13 +15400,6 @@
   <p:clrMapOvr>
     <a:masterClrMapping/>
   </p:clrMapOvr>
-  <p:timing>
-    <p:tnLst>
-      <p:par>
-        <p:cTn id="1" dur="indefinite" restart="never" nodeType="tmRoot"/>
-      </p:par>
-    </p:tnLst>
-  </p:timing>
 </p:sld>
 </file>
 
@@ -15572,7 +15516,7 @@
           <a:p>
             <a:pPr algn="ctr"/>
             <a:r>
-              <a:rPr lang="bg-BG" dirty="0" smtClean="0">
+              <a:rPr lang="bg-BG" dirty="0">
                 <a:solidFill>
                   <a:schemeClr val="tx1"/>
                 </a:solidFill>
@@ -15597,13 +15541,6 @@
   <p:clrMapOvr>
     <a:masterClrMapping/>
   </p:clrMapOvr>
-  <p:timing>
-    <p:tnLst>
-      <p:par>
-        <p:cTn id="1" dur="indefinite" restart="never" nodeType="tmRoot"/>
-      </p:par>
-    </p:tnLst>
-  </p:timing>
 </p:sld>
 </file>
 
@@ -15664,13 +15601,6 @@
   <p:clrMapOvr>
     <a:masterClrMapping/>
   </p:clrMapOvr>
-  <p:timing>
-    <p:tnLst>
-      <p:par>
-        <p:cTn id="1" dur="indefinite" restart="never" nodeType="tmRoot"/>
-      </p:par>
-    </p:tnLst>
-  </p:timing>
 </p:sld>
 </file>
 
